--- a/MarketChecklist - 2/docs/Apresentação.pptx
+++ b/MarketChecklist - 2/docs/Apresentação.pptx
@@ -273,7 +273,7 @@
           <a:p>
             <a:fld id="{3C2B07E4-CDF9-4C88-A2F3-04620E58224D}" type="datetimeFigureOut">
               <a:rPr lang="en-US" smtClean="0"/>
-              <a:t>8/7/2024</a:t>
+              <a:t>8/8/2024</a:t>
             </a:fld>
             <a:endParaRPr lang="en-US"/>
           </a:p>
@@ -563,7 +563,7 @@
           <a:p>
             <a:fld id="{3C2B07E4-CDF9-4C88-A2F3-04620E58224D}" type="datetimeFigureOut">
               <a:rPr lang="en-US" smtClean="0"/>
-              <a:t>8/7/2024</a:t>
+              <a:t>8/8/2024</a:t>
             </a:fld>
             <a:endParaRPr lang="en-US"/>
           </a:p>
@@ -815,7 +815,7 @@
           <a:p>
             <a:fld id="{3C2B07E4-CDF9-4C88-A2F3-04620E58224D}" type="datetimeFigureOut">
               <a:rPr lang="en-US" smtClean="0"/>
-              <a:t>8/7/2024</a:t>
+              <a:t>8/8/2024</a:t>
             </a:fld>
             <a:endParaRPr lang="en-US"/>
           </a:p>
@@ -1067,7 +1067,7 @@
           <a:p>
             <a:fld id="{3C2B07E4-CDF9-4C88-A2F3-04620E58224D}" type="datetimeFigureOut">
               <a:rPr lang="en-US" smtClean="0"/>
-              <a:t>8/7/2024</a:t>
+              <a:t>8/8/2024</a:t>
             </a:fld>
             <a:endParaRPr lang="en-US"/>
           </a:p>
@@ -1396,7 +1396,7 @@
           <a:p>
             <a:fld id="{3C2B07E4-CDF9-4C88-A2F3-04620E58224D}" type="datetimeFigureOut">
               <a:rPr lang="en-US" smtClean="0"/>
-              <a:t>8/7/2024</a:t>
+              <a:t>8/8/2024</a:t>
             </a:fld>
             <a:endParaRPr lang="en-US"/>
           </a:p>
@@ -1746,7 +1746,7 @@
           <a:p>
             <a:fld id="{3C2B07E4-CDF9-4C88-A2F3-04620E58224D}" type="datetimeFigureOut">
               <a:rPr lang="en-US" smtClean="0"/>
-              <a:t>8/7/2024</a:t>
+              <a:t>8/8/2024</a:t>
             </a:fld>
             <a:endParaRPr lang="en-US"/>
           </a:p>
@@ -2258,7 +2258,7 @@
           <a:p>
             <a:fld id="{3C2B07E4-CDF9-4C88-A2F3-04620E58224D}" type="datetimeFigureOut">
               <a:rPr lang="en-US" smtClean="0"/>
-              <a:t>8/7/2024</a:t>
+              <a:t>8/8/2024</a:t>
             </a:fld>
             <a:endParaRPr lang="en-US"/>
           </a:p>
@@ -2586,7 +2586,7 @@
           <a:p>
             <a:fld id="{3C2B07E4-CDF9-4C88-A2F3-04620E58224D}" type="datetimeFigureOut">
               <a:rPr lang="en-US" smtClean="0"/>
-              <a:t>8/7/2024</a:t>
+              <a:t>8/8/2024</a:t>
             </a:fld>
             <a:endParaRPr lang="en-US"/>
           </a:p>
@@ -2699,7 +2699,7 @@
           <a:p>
             <a:fld id="{3C2B07E4-CDF9-4C88-A2F3-04620E58224D}" type="datetimeFigureOut">
               <a:rPr lang="en-US" smtClean="0"/>
-              <a:t>8/7/2024</a:t>
+              <a:t>8/8/2024</a:t>
             </a:fld>
             <a:endParaRPr lang="en-US"/>
           </a:p>
@@ -3040,7 +3040,7 @@
           <a:p>
             <a:fld id="{3C2B07E4-CDF9-4C88-A2F3-04620E58224D}" type="datetimeFigureOut">
               <a:rPr lang="en-US" smtClean="0"/>
-              <a:t>8/7/2024</a:t>
+              <a:t>8/8/2024</a:t>
             </a:fld>
             <a:endParaRPr lang="en-US"/>
           </a:p>
@@ -3340,7 +3340,7 @@
           <a:p>
             <a:fld id="{3C2B07E4-CDF9-4C88-A2F3-04620E58224D}" type="datetimeFigureOut">
               <a:rPr lang="en-US" smtClean="0"/>
-              <a:t>8/7/2024</a:t>
+              <a:t>8/8/2024</a:t>
             </a:fld>
             <a:endParaRPr lang="en-US"/>
           </a:p>
@@ -3580,7 +3580,7 @@
             <a:fld id="{3C2B07E4-CDF9-4C88-A2F3-04620E58224D}" type="datetimeFigureOut">
               <a:rPr lang="en-US" smtClean="0"/>
               <a:pPr/>
-              <a:t>8/7/2024</a:t>
+              <a:t>8/8/2024</a:t>
             </a:fld>
             <a:endParaRPr lang="en-US" dirty="0"/>
           </a:p>
@@ -4598,7 +4598,7 @@
               </a:rPr>
               <a:t>Um aplicativo mobile que simplifica e organiza o processo de compras de supermercado.</a:t>
             </a:r>
-            <a:endParaRPr lang="pt-BR" sz="2800" b="1"/>
+            <a:endParaRPr lang="pt-BR" sz="2800" b="1" dirty="0"/>
           </a:p>
           <a:p>
             <a:pPr marL="285750" indent="-285750">
@@ -4620,7 +4620,7 @@
                 <a:ea typeface="+mn-lt"/>
                 <a:cs typeface="+mn-lt"/>
               </a:rPr>
-              <a:t>Seu objetivo é economizar e reduzir o estresse associado ás compras, oferecendo uma solução prática e eficiente.</a:t>
+              <a:t>Seu objetivo é economizar e reduzir o estresse associado as compras, oferecendo uma solução prática e eficiente.</a:t>
             </a:r>
           </a:p>
           <a:p>
@@ -5452,32 +5452,11 @@
               <a:buChar char="•"/>
             </a:pPr>
             <a:r>
-              <a:rPr lang="pt-BR" sz="2400" b="1" dirty="0" err="1">
-                <a:ea typeface="+mn-lt"/>
-                <a:cs typeface="+mn-lt"/>
-              </a:rPr>
-              <a:t>React</a:t>
-            </a:r>
-            <a:r>
               <a:rPr lang="pt-BR" sz="2400" b="1" dirty="0">
                 <a:ea typeface="+mn-lt"/>
                 <a:cs typeface="+mn-lt"/>
               </a:rPr>
-              <a:t> </a:t>
-            </a:r>
-            <a:r>
-              <a:rPr lang="pt-BR" sz="2400" b="1" dirty="0" err="1">
-                <a:ea typeface="+mn-lt"/>
-                <a:cs typeface="+mn-lt"/>
-              </a:rPr>
-              <a:t>Native</a:t>
-            </a:r>
-            <a:r>
-              <a:rPr lang="pt-BR" sz="2400" b="1" dirty="0">
-                <a:ea typeface="+mn-lt"/>
-                <a:cs typeface="+mn-lt"/>
-              </a:rPr>
-              <a:t>:</a:t>
+              <a:t>React Native:</a:t>
             </a:r>
             <a:r>
               <a:rPr lang="pt-BR" sz="2400" dirty="0">
@@ -5507,18 +5486,11 @@
               <a:buChar char="•"/>
             </a:pPr>
             <a:r>
-              <a:rPr lang="pt-BR" sz="2400" b="1" dirty="0" err="1">
-                <a:ea typeface="+mn-lt"/>
-                <a:cs typeface="+mn-lt"/>
-              </a:rPr>
-              <a:t>AsyncStorage</a:t>
-            </a:r>
-            <a:r>
               <a:rPr lang="pt-BR" sz="2400" b="1" dirty="0">
                 <a:ea typeface="+mn-lt"/>
                 <a:cs typeface="+mn-lt"/>
               </a:rPr>
-              <a:t>:</a:t>
+              <a:t>AsyncStorage:</a:t>
             </a:r>
             <a:r>
               <a:rPr lang="pt-BR" sz="2400" dirty="0">
@@ -5545,32 +5517,11 @@
               <a:buChar char="•"/>
             </a:pPr>
             <a:r>
-              <a:rPr lang="pt-BR" sz="2400" b="1" dirty="0" err="1">
-                <a:ea typeface="+mn-lt"/>
-                <a:cs typeface="+mn-lt"/>
-              </a:rPr>
-              <a:t>React</a:t>
-            </a:r>
-            <a:r>
               <a:rPr lang="pt-BR" sz="2400" b="1" dirty="0">
                 <a:ea typeface="+mn-lt"/>
                 <a:cs typeface="+mn-lt"/>
               </a:rPr>
-              <a:t>-</a:t>
-            </a:r>
-            <a:r>
-              <a:rPr lang="pt-BR" sz="2400" b="1" dirty="0" err="1">
-                <a:ea typeface="+mn-lt"/>
-                <a:cs typeface="+mn-lt"/>
-              </a:rPr>
-              <a:t>native</a:t>
-            </a:r>
-            <a:r>
-              <a:rPr lang="pt-BR" sz="2400" b="1" dirty="0">
-                <a:ea typeface="+mn-lt"/>
-                <a:cs typeface="+mn-lt"/>
-              </a:rPr>
-              <a:t>-vector-</a:t>
+              <a:t>React-Native-vector-</a:t>
             </a:r>
             <a:r>
               <a:rPr lang="pt-BR" sz="2400" b="1" dirty="0" err="1">
@@ -5614,18 +5565,11 @@
               <a:buChar char="•"/>
             </a:pPr>
             <a:r>
-              <a:rPr lang="pt-BR" sz="2400" b="1" dirty="0" err="1">
-                <a:ea typeface="+mn-lt"/>
-                <a:cs typeface="+mn-lt"/>
-              </a:rPr>
-              <a:t>Yarn</a:t>
-            </a:r>
-            <a:r>
               <a:rPr lang="pt-BR" sz="2400" b="1" dirty="0">
                 <a:ea typeface="+mn-lt"/>
                 <a:cs typeface="+mn-lt"/>
               </a:rPr>
-              <a:t>:</a:t>
+              <a:t>Yarn:</a:t>
             </a:r>
             <a:r>
               <a:rPr lang="pt-BR" sz="2400" dirty="0">
@@ -5652,32 +5596,11 @@
               <a:buChar char="•"/>
             </a:pPr>
             <a:r>
-              <a:rPr lang="pt-BR" sz="2400" b="1" dirty="0" err="1">
-                <a:ea typeface="+mn-lt"/>
-                <a:cs typeface="+mn-lt"/>
-              </a:rPr>
-              <a:t>Canva</a:t>
-            </a:r>
-            <a:r>
               <a:rPr lang="pt-BR" sz="2400" b="1" dirty="0">
                 <a:ea typeface="+mn-lt"/>
                 <a:cs typeface="+mn-lt"/>
               </a:rPr>
-              <a:t> e </a:t>
-            </a:r>
-            <a:r>
-              <a:rPr lang="pt-BR" sz="2400" b="1" dirty="0" err="1">
-                <a:ea typeface="+mn-lt"/>
-                <a:cs typeface="+mn-lt"/>
-              </a:rPr>
-              <a:t>VSCode</a:t>
-            </a:r>
-            <a:r>
-              <a:rPr lang="pt-BR" sz="2400" b="1" dirty="0">
-                <a:ea typeface="+mn-lt"/>
-                <a:cs typeface="+mn-lt"/>
-              </a:rPr>
-              <a:t>:</a:t>
+              <a:t>Canvas e VSCode:</a:t>
             </a:r>
             <a:r>
               <a:rPr lang="pt-BR" sz="2400" dirty="0">
